--- a/diagram.pptx
+++ b/diagram.pptx
@@ -3104,7 +3104,7 @@
         <p:spPr>
           <a:xfrm>
             <a:off x="1981200" y="3244985"/>
-            <a:ext cx="3090558" cy="838200"/>
+            <a:ext cx="2980716" cy="838200"/>
           </a:xfrm>
           <a:prstGeom prst="rect">
             <a:avLst/>
